--- a/Project 3 – A Covid study.pptx
+++ b/Project 3 – A Covid study.pptx
@@ -3861,7 +3861,7 @@
           <a:p>
             <a:fld id="{9F01847C-0A1A-45E6-AD6F-EB378218654C}" type="datetimeFigureOut">
               <a:rPr lang="en-US" smtClean="0"/>
-              <a:t>6/24/2024</a:t>
+              <a:t>6/26/2024</a:t>
             </a:fld>
             <a:endParaRPr lang="en-US"/>
           </a:p>
@@ -4702,7 +4702,7 @@
           <a:p>
             <a:fld id="{ED291B17-9318-49DB-B28B-6E5994AE9581}" type="datetime1">
               <a:rPr lang="en-US" smtClean="0"/>
-              <a:t>6/24/2024</a:t>
+              <a:t>6/26/2024</a:t>
             </a:fld>
             <a:endParaRPr lang="en-US" dirty="0"/>
           </a:p>
@@ -4905,7 +4905,7 @@
           <a:p>
             <a:fld id="{2CED4963-E985-44C4-B8C4-FDD613B7C2F8}" type="datetime1">
               <a:rPr lang="en-US" smtClean="0"/>
-              <a:t>6/24/2024</a:t>
+              <a:t>6/26/2024</a:t>
             </a:fld>
             <a:endParaRPr lang="en-US" dirty="0"/>
           </a:p>
@@ -5267,7 +5267,7 @@
           <a:p>
             <a:fld id="{ED291B17-9318-49DB-B28B-6E5994AE9581}" type="datetime1">
               <a:rPr lang="en-US" smtClean="0"/>
-              <a:t>6/24/2024</a:t>
+              <a:t>6/26/2024</a:t>
             </a:fld>
             <a:endParaRPr lang="en-US" dirty="0"/>
           </a:p>
@@ -5465,7 +5465,7 @@
           <a:p>
             <a:fld id="{78DD82B9-B8EE-4375-B6FF-88FA6ABB15D9}" type="datetime1">
               <a:rPr lang="en-US" smtClean="0"/>
-              <a:t>6/24/2024</a:t>
+              <a:t>6/26/2024</a:t>
             </a:fld>
             <a:endParaRPr lang="en-US" dirty="0"/>
           </a:p>
@@ -5777,7 +5777,7 @@
           <a:p>
             <a:fld id="{B2497495-0637-405E-AE64-5CC7506D51F5}" type="datetime1">
               <a:rPr lang="en-US" smtClean="0"/>
-              <a:t>6/24/2024</a:t>
+              <a:t>6/26/2024</a:t>
             </a:fld>
             <a:endParaRPr lang="en-US" dirty="0"/>
           </a:p>
@@ -6030,7 +6030,7 @@
           <a:p>
             <a:fld id="{7BFFD690-9426-415D-8B65-26881E07B2D4}" type="datetime1">
               <a:rPr lang="en-US" smtClean="0"/>
-              <a:t>6/24/2024</a:t>
+              <a:t>6/26/2024</a:t>
             </a:fld>
             <a:endParaRPr lang="en-US" dirty="0"/>
           </a:p>
@@ -6452,7 +6452,7 @@
           <a:p>
             <a:fld id="{04C4989A-474C-40DE-95B9-011C28B71673}" type="datetime1">
               <a:rPr lang="en-US" smtClean="0"/>
-              <a:t>6/24/2024</a:t>
+              <a:t>6/26/2024</a:t>
             </a:fld>
             <a:endParaRPr lang="en-US" dirty="0"/>
           </a:p>
@@ -6575,7 +6575,7 @@
           <a:p>
             <a:fld id="{5DB4ED54-5B5E-4A04-93D3-5772E3CE3818}" type="datetime1">
               <a:rPr lang="en-US" smtClean="0"/>
-              <a:t>6/24/2024</a:t>
+              <a:t>6/26/2024</a:t>
             </a:fld>
             <a:endParaRPr lang="en-US" dirty="0"/>
           </a:p>
@@ -6670,7 +6670,7 @@
           <a:p>
             <a:fld id="{4EDE50D6-574B-40AF-946F-D52A04ADE379}" type="datetime1">
               <a:rPr lang="en-US" smtClean="0"/>
-              <a:t>6/24/2024</a:t>
+              <a:t>6/26/2024</a:t>
             </a:fld>
             <a:endParaRPr lang="en-US" dirty="0"/>
           </a:p>
@@ -7047,7 +7047,7 @@
           <a:p>
             <a:fld id="{D82884F1-FFEA-405F-9602-3DCA865EDA4E}" type="datetime1">
               <a:rPr lang="en-US" smtClean="0"/>
-              <a:t>6/24/2024</a:t>
+              <a:t>6/26/2024</a:t>
             </a:fld>
             <a:endParaRPr lang="en-US" dirty="0"/>
           </a:p>
@@ -7340,7 +7340,7 @@
           <a:p>
             <a:fld id="{7E18DB4A-8810-4A10-AD5C-D5E2C667F5B3}" type="datetime1">
               <a:rPr lang="en-US" smtClean="0"/>
-              <a:t>6/24/2024</a:t>
+              <a:t>6/26/2024</a:t>
             </a:fld>
             <a:endParaRPr lang="en-US" dirty="0"/>
           </a:p>
@@ -7555,7 +7555,7 @@
           <a:p>
             <a:fld id="{ED291B17-9318-49DB-B28B-6E5994AE9581}" type="datetime1">
               <a:rPr lang="en-US" smtClean="0"/>
-              <a:t>6/24/2024</a:t>
+              <a:t>6/26/2024</a:t>
             </a:fld>
             <a:endParaRPr lang="en-US" dirty="0"/>
           </a:p>
@@ -9857,7 +9857,21 @@
                 <a:latin typeface="Calibri" panose="020F0502020204030204" pitchFamily="34" charset="0"/>
                 <a:cs typeface="Calibri" panose="020F0502020204030204" pitchFamily="34" charset="0"/>
               </a:rPr>
-              <a:t>Out of the Vaccinations the US has majority of the pie chart with 42.5% with England and Israel the closest behind ant around 10%.</a:t>
+              <a:t>Out of the Vaccinations the US has majority of the pie chart with 42.5% with England and Israel the closest </a:t>
+            </a:r>
+            <a:r>
+              <a:rPr lang="en-US">
+                <a:latin typeface="Calibri" panose="020F0502020204030204" pitchFamily="34" charset="0"/>
+                <a:cs typeface="Calibri" panose="020F0502020204030204" pitchFamily="34" charset="0"/>
+              </a:rPr>
+              <a:t>behind at </a:t>
+            </a:r>
+            <a:r>
+              <a:rPr lang="en-US" dirty="0">
+                <a:latin typeface="Calibri" panose="020F0502020204030204" pitchFamily="34" charset="0"/>
+                <a:cs typeface="Calibri" panose="020F0502020204030204" pitchFamily="34" charset="0"/>
+              </a:rPr>
+              <a:t>around 10%.</a:t>
             </a:r>
           </a:p>
         </p:txBody>
@@ -11290,7 +11304,7 @@
           <a:p>
             <a:r>
               <a:rPr lang="en-US" dirty="0"/>
-              <a:t>The visualization also tell us that vaccinations are not the only factor is decreasing mortality</a:t>
+              <a:t>The visualization also tell us that vaccinations are not the only factor in decreasing mortality</a:t>
             </a:r>
           </a:p>
         </p:txBody>
@@ -14260,21 +14274,21 @@
 </file>
 
 <file path=customXml/item1.xml><?xml version="1.0" encoding="utf-8"?>
+<p:properties xmlns:p="http://schemas.microsoft.com/office/2006/metadata/properties" xmlns:xsi="http://www.w3.org/2001/XMLSchema-instance" xmlns:pc="http://schemas.microsoft.com/office/infopath/2007/PartnerControls">
+  <documentManagement>
+    <Status xmlns="71af3243-3dd4-4a8d-8c0d-dd76da1f02a5">Not started</Status>
+    <MediaServiceKeyPoints xmlns="71af3243-3dd4-4a8d-8c0d-dd76da1f02a5" xsi:nil="true"/>
+  </documentManagement>
+</p:properties>
+</file>
+
+<file path=customXml/item2.xml><?xml version="1.0" encoding="utf-8"?>
 <?mso-contentType ?>
 <FormTemplates xmlns="http://schemas.microsoft.com/sharepoint/v3/contenttype/forms">
   <Display>DocumentLibraryForm</Display>
   <Edit>DocumentLibraryForm</Edit>
   <New>DocumentLibraryForm</New>
 </FormTemplates>
-</file>
-
-<file path=customXml/item2.xml><?xml version="1.0" encoding="utf-8"?>
-<p:properties xmlns:p="http://schemas.microsoft.com/office/2006/metadata/properties" xmlns:xsi="http://www.w3.org/2001/XMLSchema-instance" xmlns:pc="http://schemas.microsoft.com/office/infopath/2007/PartnerControls">
-  <documentManagement>
-    <Status xmlns="71af3243-3dd4-4a8d-8c0d-dd76da1f02a5">Not started</Status>
-    <MediaServiceKeyPoints xmlns="71af3243-3dd4-4a8d-8c0d-dd76da1f02a5" xsi:nil="true"/>
-  </documentManagement>
-</p:properties>
 </file>
 
 <file path=customXml/item3.xml><?xml version="1.0" encoding="utf-8"?>
@@ -14499,19 +14513,19 @@
 </file>
 
 <file path=customXml/itemProps1.xml><?xml version="1.0" encoding="utf-8"?>
-<ds:datastoreItem xmlns:ds="http://schemas.openxmlformats.org/officeDocument/2006/customXml" ds:itemID="{927BD4C1-B6B1-4715-ABF9-E660A51A4EA0}">
+<ds:datastoreItem xmlns:ds="http://schemas.openxmlformats.org/officeDocument/2006/customXml" ds:itemID="{8D289AE2-D2AE-49D1-AFAC-3A79F6794255}">
   <ds:schemaRefs>
-    <ds:schemaRef ds:uri="http://schemas.microsoft.com/sharepoint/v3/contenttype/forms"/>
+    <ds:schemaRef ds:uri="http://schemas.microsoft.com/office/2006/metadata/properties"/>
+    <ds:schemaRef ds:uri="http://schemas.microsoft.com/office/infopath/2007/PartnerControls"/>
+    <ds:schemaRef ds:uri="71af3243-3dd4-4a8d-8c0d-dd76da1f02a5"/>
   </ds:schemaRefs>
 </ds:datastoreItem>
 </file>
 
 <file path=customXml/itemProps2.xml><?xml version="1.0" encoding="utf-8"?>
-<ds:datastoreItem xmlns:ds="http://schemas.openxmlformats.org/officeDocument/2006/customXml" ds:itemID="{8D289AE2-D2AE-49D1-AFAC-3A79F6794255}">
+<ds:datastoreItem xmlns:ds="http://schemas.openxmlformats.org/officeDocument/2006/customXml" ds:itemID="{927BD4C1-B6B1-4715-ABF9-E660A51A4EA0}">
   <ds:schemaRefs>
-    <ds:schemaRef ds:uri="http://schemas.microsoft.com/office/2006/metadata/properties"/>
-    <ds:schemaRef ds:uri="http://schemas.microsoft.com/office/infopath/2007/PartnerControls"/>
-    <ds:schemaRef ds:uri="71af3243-3dd4-4a8d-8c0d-dd76da1f02a5"/>
+    <ds:schemaRef ds:uri="http://schemas.microsoft.com/sharepoint/v3/contenttype/forms"/>
   </ds:schemaRefs>
 </ds:datastoreItem>
 </file>
